--- a/Presentations/2 Props.pptx
+++ b/Presentations/2 Props.pptx
@@ -33,34 +33,27 @@
   <p:notesSz cx="6645275" cy="9775825"/>
   <p:embeddedFontLst>
     <p:embeddedFont>
-      <p:font typeface="Calibri" panose="020F0502020204030204" pitchFamily="34" charset="0"/>
+      <p:font typeface="Consolas" panose="020B0609020204030204" pitchFamily="49" charset="0"/>
       <p:regular r:id="rId24"/>
       <p:bold r:id="rId25"/>
       <p:italic r:id="rId26"/>
       <p:boldItalic r:id="rId27"/>
     </p:embeddedFont>
     <p:embeddedFont>
-      <p:font typeface="Consolas" panose="020B0609020204030204" pitchFamily="49" charset="0"/>
+      <p:font typeface="Montserrat" panose="00000500000000000000" pitchFamily="2" charset="0"/>
       <p:regular r:id="rId28"/>
       <p:bold r:id="rId29"/>
       <p:italic r:id="rId30"/>
       <p:boldItalic r:id="rId31"/>
     </p:embeddedFont>
     <p:embeddedFont>
-      <p:font typeface="Montserrat" panose="00000500000000000000" pitchFamily="2" charset="0"/>
-      <p:regular r:id="rId32"/>
-      <p:bold r:id="rId33"/>
-      <p:italic r:id="rId34"/>
-      <p:boldItalic r:id="rId35"/>
-    </p:embeddedFont>
-    <p:embeddedFont>
       <p:font typeface="Montserrat Black" panose="00000A00000000000000" pitchFamily="2" charset="0"/>
-      <p:bold r:id="rId36"/>
-      <p:boldItalic r:id="rId37"/>
+      <p:bold r:id="rId32"/>
+      <p:boldItalic r:id="rId33"/>
     </p:embeddedFont>
   </p:embeddedFontLst>
   <p:custDataLst>
-    <p:tags r:id="rId38"/>
+    <p:tags r:id="rId34"/>
   </p:custDataLst>
   <p:defaultTextStyle>
     <a:defPPr>
@@ -280,7 +273,7 @@
           <a:p>
             <a:fld id="{86D088FE-3E68-47FE-8BA4-634CD34BABBC}" type="datetimeFigureOut">
               <a:rPr lang="en-GB" smtClean="0"/>
-              <a:t>24/10/2023</a:t>
+              <a:t>19/11/2024</a:t>
             </a:fld>
             <a:endParaRPr lang="en-GB"/>
           </a:p>
@@ -450,7 +443,7 @@
             <a:fld id="{1D6B66C6-1E92-0F4E-A300-9D4ED1F0C23F}" type="datetimeFigureOut">
               <a:rPr lang="en-GB" smtClean="0"/>
               <a:pPr/>
-              <a:t>24/10/2023</a:t>
+              <a:t>19/11/2024</a:t>
             </a:fld>
             <a:endParaRPr lang="en-GB"/>
           </a:p>
@@ -28429,10 +28422,10 @@
       </p:sp>
       <p:pic>
         <p:nvPicPr>
-          <p:cNvPr id="4" name="Picture 3">
+          <p:cNvPr id="7" name="Picture 6">
             <a:extLst>
               <a:ext uri="{FF2B5EF4-FFF2-40B4-BE49-F238E27FC236}">
-                <a16:creationId xmlns:a16="http://schemas.microsoft.com/office/drawing/2014/main" id="{47215C08-8AB1-795F-043A-4A44162023C5}"/>
+                <a16:creationId xmlns:a16="http://schemas.microsoft.com/office/drawing/2014/main" id="{8F65DD9D-A193-0FE0-BE11-E1DDF550F067}"/>
               </a:ext>
             </a:extLst>
           </p:cNvPr>
@@ -28449,8 +28442,8 @@
         </p:blipFill>
         <p:spPr>
           <a:xfrm>
-            <a:off x="3123097" y="1738579"/>
-            <a:ext cx="8526065" cy="4153480"/>
+            <a:off x="3710316" y="1626394"/>
+            <a:ext cx="7766982" cy="2986659"/>
           </a:xfrm>
           <a:prstGeom prst="rect">
             <a:avLst/>
@@ -31285,21 +31278,10 @@
 </file>
 
 <file path=customXml/item1.xml><?xml version="1.0" encoding="utf-8"?>
-<p:properties xmlns:p="http://schemas.microsoft.com/office/2006/metadata/properties" xmlns:xsi="http://www.w3.org/2001/XMLSchema-instance" xmlns:pc="http://schemas.microsoft.com/office/infopath/2007/PartnerControls">
-  <documentManagement>
-    <TaxCatchAll xmlns="d9d04ef3-bcb7-4ae4-a62d-289c704a8497" xsi:nil="true"/>
-    <lcf76f155ced4ddcb4097134ff3c332f xmlns="913fe58e-060a-4373-b11d-b366e3be4652">
-      <Terms xmlns="http://schemas.microsoft.com/office/infopath/2007/PartnerControls"/>
-    </lcf76f155ced4ddcb4097134ff3c332f>
-  </documentManagement>
-</p:properties>
-</file>
-
-<file path=customXml/item2.xml><?xml version="1.0" encoding="utf-8"?>
-<ct:contentTypeSchema xmlns:ct="http://schemas.microsoft.com/office/2006/metadata/contentType" xmlns:ma="http://schemas.microsoft.com/office/2006/metadata/properties/metaAttributes" ct:_="" ma:_="" ma:contentTypeName="Document" ma:contentTypeID="0x010100273D98DD7F7D1B4CA343FFC9BA0D08F2" ma:contentTypeVersion="14" ma:contentTypeDescription="Create a new document." ma:contentTypeScope="" ma:versionID="f5b787ffde9de8eed7b2a76560910c0f">
-  <xsd:schema xmlns:xsd="http://www.w3.org/2001/XMLSchema" xmlns:xs="http://www.w3.org/2001/XMLSchema" xmlns:p="http://schemas.microsoft.com/office/2006/metadata/properties" xmlns:ns2="913fe58e-060a-4373-b11d-b366e3be4652" xmlns:ns3="d9d04ef3-bcb7-4ae4-a62d-289c704a8497" targetNamespace="http://schemas.microsoft.com/office/2006/metadata/properties" ma:root="true" ma:fieldsID="53a1b84068abfc2e8b13ed24d677af21" ns2:_="" ns3:_="">
-    <xsd:import namespace="913fe58e-060a-4373-b11d-b366e3be4652"/>
-    <xsd:import namespace="d9d04ef3-bcb7-4ae4-a62d-289c704a8497"/>
+<ct:contentTypeSchema xmlns:ct="http://schemas.microsoft.com/office/2006/metadata/contentType" xmlns:ma="http://schemas.microsoft.com/office/2006/metadata/properties/metaAttributes" ct:_="" ma:_="" ma:contentTypeName="Document" ma:contentTypeID="0x010100F3467C10D74B2B4AB009A8AE58957B70" ma:contentTypeVersion="11" ma:contentTypeDescription="Create a new document." ma:contentTypeScope="" ma:versionID="5a954220bcc81bde48470b97c8d8107f">
+  <xsd:schema xmlns:xsd="http://www.w3.org/2001/XMLSchema" xmlns:xs="http://www.w3.org/2001/XMLSchema" xmlns:p="http://schemas.microsoft.com/office/2006/metadata/properties" xmlns:ns2="201905e2-e348-4925-9bf9-859ff66d3731" xmlns:ns3="bd9f7b81-fce9-4f5e-8ca2-b74234fba64d" targetNamespace="http://schemas.microsoft.com/office/2006/metadata/properties" ma:root="true" ma:fieldsID="426082142d469ee0a66d8c0ced7a111b" ns2:_="" ns3:_="">
+    <xsd:import namespace="201905e2-e348-4925-9bf9-859ff66d3731"/>
+    <xsd:import namespace="bd9f7b81-fce9-4f5e-8ca2-b74234fba64d"/>
     <xsd:element name="properties">
       <xsd:complexType>
         <xsd:sequence>
@@ -31308,16 +31290,13 @@
               <xsd:all>
                 <xsd:element ref="ns2:MediaServiceMetadata" minOccurs="0"/>
                 <xsd:element ref="ns2:MediaServiceFastMetadata" minOccurs="0"/>
-                <xsd:element ref="ns2:MediaServiceObjectDetectorVersions" minOccurs="0"/>
+                <xsd:element ref="ns2:lcf76f155ced4ddcb4097134ff3c332f" minOccurs="0"/>
+                <xsd:element ref="ns3:TaxCatchAll" minOccurs="0"/>
+                <xsd:element ref="ns2:MediaServiceGenerationTime" minOccurs="0"/>
+                <xsd:element ref="ns2:MediaServiceEventHashCode" minOccurs="0"/>
+                <xsd:element ref="ns2:MediaServiceDateTaken" minOccurs="0"/>
                 <xsd:element ref="ns3:SharedWithUsers" minOccurs="0"/>
                 <xsd:element ref="ns3:SharedWithDetails" minOccurs="0"/>
-                <xsd:element ref="ns2:MediaServiceDateTaken" minOccurs="0"/>
-                <xsd:element ref="ns2:MediaServiceGenerationTime" minOccurs="0"/>
-                <xsd:element ref="ns2:MediaServiceEventHashCode" minOccurs="0"/>
-                <xsd:element ref="ns2:MediaLengthInSeconds" minOccurs="0"/>
-                <xsd:element ref="ns2:MediaServiceSearchProperties" minOccurs="0"/>
-                <xsd:element ref="ns2:lcf76f155ced4ddcb4097134ff3c332f" minOccurs="0"/>
-                <xsd:element ref="ns3:TaxCatchAll" minOccurs="0"/>
                 <xsd:element ref="ns2:MediaServiceOCR" minOccurs="0"/>
               </xsd:all>
             </xsd:complexType>
@@ -31326,7 +31305,7 @@
       </xsd:complexType>
     </xsd:element>
   </xsd:schema>
-  <xsd:schema xmlns:xsd="http://www.w3.org/2001/XMLSchema" xmlns:xs="http://www.w3.org/2001/XMLSchema" xmlns:dms="http://schemas.microsoft.com/office/2006/documentManagement/types" xmlns:pc="http://schemas.microsoft.com/office/infopath/2007/PartnerControls" targetNamespace="913fe58e-060a-4373-b11d-b366e3be4652" elementFormDefault="qualified">
+  <xsd:schema xmlns:xsd="http://www.w3.org/2001/XMLSchema" xmlns:xs="http://www.w3.org/2001/XMLSchema" xmlns:dms="http://schemas.microsoft.com/office/2006/documentManagement/types" xmlns:pc="http://schemas.microsoft.com/office/infopath/2007/PartnerControls" targetNamespace="201905e2-e348-4925-9bf9-859ff66d3731" elementFormDefault="qualified">
     <xsd:import namespace="http://schemas.microsoft.com/office/2006/documentManagement/types"/>
     <xsd:import namespace="http://schemas.microsoft.com/office/infopath/2007/PartnerControls"/>
     <xsd:element name="MediaServiceMetadata" ma:index="8" nillable="true" ma:displayName="MediaServiceMetadata" ma:hidden="true" ma:internalName="MediaServiceMetadata" ma:readOnly="true">
@@ -31339,44 +31318,29 @@
         <xsd:restriction base="dms:Note"/>
       </xsd:simpleType>
     </xsd:element>
-    <xsd:element name="MediaServiceObjectDetectorVersions" ma:index="10" nillable="true" ma:displayName="MediaServiceObjectDetectorVersions" ma:hidden="true" ma:indexed="true" ma:internalName="MediaServiceObjectDetectorVersions" ma:readOnly="true">
-      <xsd:simpleType>
-        <xsd:restriction base="dms:Text"/>
-      </xsd:simpleType>
-    </xsd:element>
-    <xsd:element name="MediaServiceDateTaken" ma:index="13" nillable="true" ma:displayName="MediaServiceDateTaken" ma:hidden="true" ma:indexed="true" ma:internalName="MediaServiceDateTaken" ma:readOnly="true">
-      <xsd:simpleType>
-        <xsd:restriction base="dms:Text"/>
-      </xsd:simpleType>
-    </xsd:element>
-    <xsd:element name="MediaServiceGenerationTime" ma:index="14" nillable="true" ma:displayName="MediaServiceGenerationTime" ma:hidden="true" ma:internalName="MediaServiceGenerationTime" ma:readOnly="true">
-      <xsd:simpleType>
-        <xsd:restriction base="dms:Text"/>
-      </xsd:simpleType>
-    </xsd:element>
-    <xsd:element name="MediaServiceEventHashCode" ma:index="15" nillable="true" ma:displayName="MediaServiceEventHashCode" ma:hidden="true" ma:internalName="MediaServiceEventHashCode" ma:readOnly="true">
-      <xsd:simpleType>
-        <xsd:restriction base="dms:Text"/>
-      </xsd:simpleType>
-    </xsd:element>
-    <xsd:element name="MediaLengthInSeconds" ma:index="16" nillable="true" ma:displayName="MediaLengthInSeconds" ma:hidden="true" ma:internalName="MediaLengthInSeconds" ma:readOnly="true">
-      <xsd:simpleType>
-        <xsd:restriction base="dms:Unknown"/>
-      </xsd:simpleType>
-    </xsd:element>
-    <xsd:element name="MediaServiceSearchProperties" ma:index="17" nillable="true" ma:displayName="MediaServiceSearchProperties" ma:hidden="true" ma:internalName="MediaServiceSearchProperties" ma:readOnly="true">
-      <xsd:simpleType>
-        <xsd:restriction base="dms:Note"/>
-      </xsd:simpleType>
-    </xsd:element>
-    <xsd:element name="lcf76f155ced4ddcb4097134ff3c332f" ma:index="19" nillable="true" ma:taxonomy="true" ma:internalName="lcf76f155ced4ddcb4097134ff3c332f" ma:taxonomyFieldName="MediaServiceImageTags" ma:displayName="Image Tags" ma:readOnly="false" ma:fieldId="{5cf76f15-5ced-4ddc-b409-7134ff3c332f}" ma:taxonomyMulti="true" ma:sspId="85f1f1f9-0179-4c93-b971-8e9741e04503" ma:termSetId="09814cd3-568e-fe90-9814-8d621ff8fb84" ma:anchorId="fba54fb3-c3e1-fe81-a776-ca4b69148c4d" ma:open="true" ma:isKeyword="false">
+    <xsd:element name="lcf76f155ced4ddcb4097134ff3c332f" ma:index="11" nillable="true" ma:taxonomy="true" ma:internalName="lcf76f155ced4ddcb4097134ff3c332f" ma:taxonomyFieldName="MediaServiceImageTags" ma:displayName="Image Tags" ma:readOnly="false" ma:fieldId="{5cf76f15-5ced-4ddc-b409-7134ff3c332f}" ma:taxonomyMulti="true" ma:sspId="85f1f1f9-0179-4c93-b971-8e9741e04503" ma:termSetId="09814cd3-568e-fe90-9814-8d621ff8fb84" ma:anchorId="fba54fb3-c3e1-fe81-a776-ca4b69148c4d" ma:open="true" ma:isKeyword="false">
       <xsd:complexType>
         <xsd:sequence>
           <xsd:element ref="pc:Terms" minOccurs="0" maxOccurs="1"/>
         </xsd:sequence>
       </xsd:complexType>
     </xsd:element>
-    <xsd:element name="MediaServiceOCR" ma:index="21" nillable="true" ma:displayName="Extracted Text" ma:internalName="MediaServiceOCR" ma:readOnly="true">
+    <xsd:element name="MediaServiceGenerationTime" ma:index="13" nillable="true" ma:displayName="MediaServiceGenerationTime" ma:hidden="true" ma:internalName="MediaServiceGenerationTime" ma:readOnly="true">
+      <xsd:simpleType>
+        <xsd:restriction base="dms:Text"/>
+      </xsd:simpleType>
+    </xsd:element>
+    <xsd:element name="MediaServiceEventHashCode" ma:index="14" nillable="true" ma:displayName="MediaServiceEventHashCode" ma:hidden="true" ma:internalName="MediaServiceEventHashCode" ma:readOnly="true">
+      <xsd:simpleType>
+        <xsd:restriction base="dms:Text"/>
+      </xsd:simpleType>
+    </xsd:element>
+    <xsd:element name="MediaServiceDateTaken" ma:index="15" nillable="true" ma:displayName="MediaServiceDateTaken" ma:hidden="true" ma:indexed="true" ma:internalName="MediaServiceDateTaken" ma:readOnly="true">
+      <xsd:simpleType>
+        <xsd:restriction base="dms:Text"/>
+      </xsd:simpleType>
+    </xsd:element>
+    <xsd:element name="MediaServiceOCR" ma:index="18" nillable="true" ma:displayName="Extracted Text" ma:internalName="MediaServiceOCR" ma:readOnly="true">
       <xsd:simpleType>
         <xsd:restriction base="dms:Note">
           <xsd:maxLength value="255"/>
@@ -31384,10 +31348,21 @@
       </xsd:simpleType>
     </xsd:element>
   </xsd:schema>
-  <xsd:schema xmlns:xsd="http://www.w3.org/2001/XMLSchema" xmlns:xs="http://www.w3.org/2001/XMLSchema" xmlns:dms="http://schemas.microsoft.com/office/2006/documentManagement/types" xmlns:pc="http://schemas.microsoft.com/office/infopath/2007/PartnerControls" targetNamespace="d9d04ef3-bcb7-4ae4-a62d-289c704a8497" elementFormDefault="qualified">
+  <xsd:schema xmlns:xsd="http://www.w3.org/2001/XMLSchema" xmlns:xs="http://www.w3.org/2001/XMLSchema" xmlns:dms="http://schemas.microsoft.com/office/2006/documentManagement/types" xmlns:pc="http://schemas.microsoft.com/office/infopath/2007/PartnerControls" targetNamespace="bd9f7b81-fce9-4f5e-8ca2-b74234fba64d" elementFormDefault="qualified">
     <xsd:import namespace="http://schemas.microsoft.com/office/2006/documentManagement/types"/>
     <xsd:import namespace="http://schemas.microsoft.com/office/infopath/2007/PartnerControls"/>
-    <xsd:element name="SharedWithUsers" ma:index="11" nillable="true" ma:displayName="Shared With" ma:internalName="SharedWithUsers" ma:readOnly="true">
+    <xsd:element name="TaxCatchAll" ma:index="12" nillable="true" ma:displayName="Taxonomy Catch All Column" ma:hidden="true" ma:list="{3947cfe7-9c88-4581-b1d0-b668bbfcd318}" ma:internalName="TaxCatchAll" ma:showField="CatchAllData" ma:web="bd9f7b81-fce9-4f5e-8ca2-b74234fba64d">
+      <xsd:complexType>
+        <xsd:complexContent>
+          <xsd:extension base="dms:MultiChoiceLookup">
+            <xsd:sequence>
+              <xsd:element name="Value" type="dms:Lookup" maxOccurs="unbounded" minOccurs="0" nillable="true"/>
+            </xsd:sequence>
+          </xsd:extension>
+        </xsd:complexContent>
+      </xsd:complexType>
+    </xsd:element>
+    <xsd:element name="SharedWithUsers" ma:index="16" nillable="true" ma:displayName="Shared With" ma:internalName="SharedWithUsers" ma:readOnly="true">
       <xsd:complexType>
         <xsd:complexContent>
           <xsd:extension base="dms:UserMulti">
@@ -31406,23 +31381,12 @@
         </xsd:complexContent>
       </xsd:complexType>
     </xsd:element>
-    <xsd:element name="SharedWithDetails" ma:index="12" nillable="true" ma:displayName="Shared With Details" ma:internalName="SharedWithDetails" ma:readOnly="true">
+    <xsd:element name="SharedWithDetails" ma:index="17" nillable="true" ma:displayName="Shared With Details" ma:internalName="SharedWithDetails" ma:readOnly="true">
       <xsd:simpleType>
         <xsd:restriction base="dms:Note">
           <xsd:maxLength value="255"/>
         </xsd:restriction>
       </xsd:simpleType>
-    </xsd:element>
-    <xsd:element name="TaxCatchAll" ma:index="20" nillable="true" ma:displayName="Taxonomy Catch All Column" ma:hidden="true" ma:list="{0418cb5f-0ed4-4140-b688-db7f9630287e}" ma:internalName="TaxCatchAll" ma:showField="CatchAllData" ma:web="d9d04ef3-bcb7-4ae4-a62d-289c704a8497">
-      <xsd:complexType>
-        <xsd:complexContent>
-          <xsd:extension base="dms:MultiChoiceLookup">
-            <xsd:sequence>
-              <xsd:element name="Value" type="dms:Lookup" maxOccurs="unbounded" minOccurs="0" nillable="true"/>
-            </xsd:sequence>
-          </xsd:extension>
-        </xsd:complexContent>
-      </xsd:complexType>
     </xsd:element>
   </xsd:schema>
   <xsd:schema xmlns="http://schemas.openxmlformats.org/package/2006/metadata/core-properties" xmlns:xsd="http://www.w3.org/2001/XMLSchema" xmlns:xsi="http://www.w3.org/2001/XMLSchema-instance" xmlns:dc="http://purl.org/dc/elements/1.1/" xmlns:dcterms="http://purl.org/dc/terms/" xmlns:odoc="http://schemas.microsoft.com/internal/obd" targetNamespace="http://schemas.openxmlformats.org/package/2006/metadata/core-properties" elementFormDefault="qualified" attributeFormDefault="unqualified" blockDefault="#all">
@@ -31524,6 +31488,17 @@
 </ct:contentTypeSchema>
 </file>
 
+<file path=customXml/item2.xml><?xml version="1.0" encoding="utf-8"?>
+<p:properties xmlns:p="http://schemas.microsoft.com/office/2006/metadata/properties" xmlns:xsi="http://www.w3.org/2001/XMLSchema-instance" xmlns:pc="http://schemas.microsoft.com/office/infopath/2007/PartnerControls">
+  <documentManagement>
+    <TaxCatchAll xmlns="bd9f7b81-fce9-4f5e-8ca2-b74234fba64d" xsi:nil="true"/>
+    <lcf76f155ced4ddcb4097134ff3c332f xmlns="201905e2-e348-4925-9bf9-859ff66d3731">
+      <Terms xmlns="http://schemas.microsoft.com/office/infopath/2007/PartnerControls"/>
+    </lcf76f155ced4ddcb4097134ff3c332f>
+  </documentManagement>
+</p:properties>
+</file>
+
 <file path=customXml/item3.xml><?xml version="1.0" encoding="utf-8"?>
 <?mso-contentType ?>
 <FormTemplates xmlns="http://schemas.microsoft.com/sharepoint/v3/contenttype/forms">
@@ -31534,6 +31509,25 @@
 </file>
 
 <file path=customXml/itemProps1.xml><?xml version="1.0" encoding="utf-8"?>
+<ds:datastoreItem xmlns:ds="http://schemas.openxmlformats.org/officeDocument/2006/customXml" ds:itemID="{31480688-5C47-4973-B323-709A11A8DD25}">
+  <ds:schemaRefs>
+    <ds:schemaRef ds:uri="http://schemas.microsoft.com/office/2006/metadata/contentType"/>
+    <ds:schemaRef ds:uri="http://schemas.microsoft.com/office/2006/metadata/properties/metaAttributes"/>
+    <ds:schemaRef ds:uri="http://www.w3.org/2001/XMLSchema"/>
+    <ds:schemaRef ds:uri="http://schemas.microsoft.com/office/2006/metadata/properties"/>
+    <ds:schemaRef ds:uri="201905e2-e348-4925-9bf9-859ff66d3731"/>
+    <ds:schemaRef ds:uri="bd9f7b81-fce9-4f5e-8ca2-b74234fba64d"/>
+    <ds:schemaRef ds:uri="http://schemas.microsoft.com/office/2006/documentManagement/types"/>
+    <ds:schemaRef ds:uri="http://schemas.microsoft.com/office/infopath/2007/PartnerControls"/>
+    <ds:schemaRef ds:uri="http://schemas.openxmlformats.org/package/2006/metadata/core-properties"/>
+    <ds:schemaRef ds:uri="http://purl.org/dc/elements/1.1/"/>
+    <ds:schemaRef ds:uri="http://purl.org/dc/terms/"/>
+    <ds:schemaRef ds:uri="http://schemas.microsoft.com/internal/obd"/>
+  </ds:schemaRefs>
+</ds:datastoreItem>
+</file>
+
+<file path=customXml/itemProps2.xml><?xml version="1.0" encoding="utf-8"?>
 <ds:datastoreItem xmlns:ds="http://schemas.openxmlformats.org/officeDocument/2006/customXml" ds:itemID="{43393610-D53F-4A84-8D42-34EBCB008255}">
   <ds:schemaRefs>
     <ds:schemaRef ds:uri="http://schemas.microsoft.com/office/2006/metadata/properties"/>
@@ -31550,10 +31544,6 @@
 </ds:datastoreItem>
 </file>
 
-<file path=customXml/itemProps2.xml><?xml version="1.0" encoding="utf-8"?>
-<ds:datastoreItem xmlns:ds="http://schemas.openxmlformats.org/officeDocument/2006/customXml" ds:itemID="{741E2051-965C-491F-B934-C6F643CD68E2}"/>
-</file>
-
 <file path=customXml/itemProps3.xml><?xml version="1.0" encoding="utf-8"?>
 <ds:datastoreItem xmlns:ds="http://schemas.openxmlformats.org/officeDocument/2006/customXml" ds:itemID="{25B3E867-B45B-49B9-9F16-ACF80FBBDAA6}">
   <ds:schemaRefs>

--- a/Presentations/2 Props.pptx
+++ b/Presentations/2 Props.pptx
@@ -273,7 +273,7 @@
           <a:p>
             <a:fld id="{86D088FE-3E68-47FE-8BA4-634CD34BABBC}" type="datetimeFigureOut">
               <a:rPr lang="en-GB" smtClean="0"/>
-              <a:t>19/11/2024</a:t>
+              <a:t>20/11/2024</a:t>
             </a:fld>
             <a:endParaRPr lang="en-GB"/>
           </a:p>
@@ -443,7 +443,7 @@
             <a:fld id="{1D6B66C6-1E92-0F4E-A300-9D4ED1F0C23F}" type="datetimeFigureOut">
               <a:rPr lang="en-GB" smtClean="0"/>
               <a:pPr/>
-              <a:t>19/11/2024</a:t>
+              <a:t>20/11/2024</a:t>
             </a:fld>
             <a:endParaRPr lang="en-GB"/>
           </a:p>
@@ -28937,10 +28937,10 @@
       </p:sp>
       <p:pic>
         <p:nvPicPr>
-          <p:cNvPr id="7" name="Picture 6">
+          <p:cNvPr id="9" name="Picture 8">
             <a:extLst>
               <a:ext uri="{FF2B5EF4-FFF2-40B4-BE49-F238E27FC236}">
-                <a16:creationId xmlns:a16="http://schemas.microsoft.com/office/drawing/2014/main" id="{41766AD7-87F3-CC47-F5C5-C55793FA5055}"/>
+                <a16:creationId xmlns:a16="http://schemas.microsoft.com/office/drawing/2014/main" id="{408C26EB-D919-2E50-5054-B1EB79809D39}"/>
               </a:ext>
             </a:extLst>
           </p:cNvPr>
@@ -28957,8 +28957,8 @@
         </p:blipFill>
         <p:spPr>
           <a:xfrm>
-            <a:off x="3342203" y="1321128"/>
-            <a:ext cx="8306959" cy="5239481"/>
+            <a:off x="4078896" y="1857721"/>
+            <a:ext cx="7515241" cy="4420730"/>
           </a:xfrm>
           <a:prstGeom prst="rect">
             <a:avLst/>
@@ -31489,6 +31489,15 @@
 </file>
 
 <file path=customXml/item2.xml><?xml version="1.0" encoding="utf-8"?>
+<?mso-contentType ?>
+<FormTemplates xmlns="http://schemas.microsoft.com/sharepoint/v3/contenttype/forms">
+  <Display>DocumentLibraryForm</Display>
+  <Edit>DocumentLibraryForm</Edit>
+  <New>DocumentLibraryForm</New>
+</FormTemplates>
+</file>
+
+<file path=customXml/item3.xml><?xml version="1.0" encoding="utf-8"?>
 <p:properties xmlns:p="http://schemas.microsoft.com/office/2006/metadata/properties" xmlns:xsi="http://www.w3.org/2001/XMLSchema-instance" xmlns:pc="http://schemas.microsoft.com/office/infopath/2007/PartnerControls">
   <documentManagement>
     <TaxCatchAll xmlns="bd9f7b81-fce9-4f5e-8ca2-b74234fba64d" xsi:nil="true"/>
@@ -31497,15 +31506,6 @@
     </lcf76f155ced4ddcb4097134ff3c332f>
   </documentManagement>
 </p:properties>
-</file>
-
-<file path=customXml/item3.xml><?xml version="1.0" encoding="utf-8"?>
-<?mso-contentType ?>
-<FormTemplates xmlns="http://schemas.microsoft.com/sharepoint/v3/contenttype/forms">
-  <Display>DocumentLibraryForm</Display>
-  <Edit>DocumentLibraryForm</Edit>
-  <New>DocumentLibraryForm</New>
-</FormTemplates>
 </file>
 
 <file path=customXml/itemProps1.xml><?xml version="1.0" encoding="utf-8"?>
@@ -31528,6 +31528,14 @@
 </file>
 
 <file path=customXml/itemProps2.xml><?xml version="1.0" encoding="utf-8"?>
+<ds:datastoreItem xmlns:ds="http://schemas.openxmlformats.org/officeDocument/2006/customXml" ds:itemID="{25B3E867-B45B-49B9-9F16-ACF80FBBDAA6}">
+  <ds:schemaRefs>
+    <ds:schemaRef ds:uri="http://schemas.microsoft.com/sharepoint/v3/contenttype/forms"/>
+  </ds:schemaRefs>
+</ds:datastoreItem>
+</file>
+
+<file path=customXml/itemProps3.xml><?xml version="1.0" encoding="utf-8"?>
 <ds:datastoreItem xmlns:ds="http://schemas.openxmlformats.org/officeDocument/2006/customXml" ds:itemID="{43393610-D53F-4A84-8D42-34EBCB008255}">
   <ds:schemaRefs>
     <ds:schemaRef ds:uri="http://schemas.microsoft.com/office/2006/metadata/properties"/>
@@ -31542,12 +31550,4 @@
     <ds:schemaRef ds:uri="http://purl.org/dc/elements/1.1/"/>
   </ds:schemaRefs>
 </ds:datastoreItem>
-</file>
-
-<file path=customXml/itemProps3.xml><?xml version="1.0" encoding="utf-8"?>
-<ds:datastoreItem xmlns:ds="http://schemas.openxmlformats.org/officeDocument/2006/customXml" ds:itemID="{25B3E867-B45B-49B9-9F16-ACF80FBBDAA6}">
-  <ds:schemaRefs>
-    <ds:schemaRef ds:uri="http://schemas.microsoft.com/sharepoint/v3/contenttype/forms"/>
-  </ds:schemaRefs>
-</ds:datastoreItem>
 </file>
--- a/Presentations/2 Props.pptx
+++ b/Presentations/2 Props.pptx
@@ -33,27 +33,20 @@
   <p:notesSz cx="6645275" cy="9775825"/>
   <p:embeddedFontLst>
     <p:embeddedFont>
-      <p:font typeface="Consolas" panose="020B0609020204030204" pitchFamily="49" charset="0"/>
+      <p:font typeface="Montserrat" panose="00000500000000000000" pitchFamily="2" charset="0"/>
       <p:regular r:id="rId24"/>
       <p:bold r:id="rId25"/>
       <p:italic r:id="rId26"/>
       <p:boldItalic r:id="rId27"/>
     </p:embeddedFont>
     <p:embeddedFont>
-      <p:font typeface="Montserrat" panose="00000500000000000000" pitchFamily="2" charset="0"/>
-      <p:regular r:id="rId28"/>
-      <p:bold r:id="rId29"/>
-      <p:italic r:id="rId30"/>
-      <p:boldItalic r:id="rId31"/>
-    </p:embeddedFont>
-    <p:embeddedFont>
       <p:font typeface="Montserrat Black" panose="00000A00000000000000" pitchFamily="2" charset="0"/>
-      <p:bold r:id="rId32"/>
-      <p:boldItalic r:id="rId33"/>
+      <p:bold r:id="rId28"/>
+      <p:boldItalic r:id="rId29"/>
     </p:embeddedFont>
   </p:embeddedFontLst>
   <p:custDataLst>
-    <p:tags r:id="rId34"/>
+    <p:tags r:id="rId30"/>
   </p:custDataLst>
   <p:defaultTextStyle>
     <a:defPPr>
@@ -1294,49 +1287,11 @@
             </a:r>
           </a:p>
           <a:p>
+            <a:r>
+              <a:rPr lang="en-GB"/>
+              <a:t> </a:t>
+            </a:r>
             <a:endParaRPr lang="en-GB" dirty="0"/>
-          </a:p>
-          <a:p>
-            <a:pPr marL="0" marR="0" lvl="0" indent="0" algn="l" defTabSz="914400" rtl="0" eaLnBrk="1" fontAlgn="auto" latinLnBrk="0" hangingPunct="1">
-              <a:lnSpc>
-                <a:spcPct val="100000"/>
-              </a:lnSpc>
-              <a:spcBef>
-                <a:spcPts val="0"/>
-              </a:spcBef>
-              <a:spcAft>
-                <a:spcPts val="0"/>
-              </a:spcAft>
-              <a:buClrTx/>
-              <a:buSzTx/>
-              <a:buFontTx/>
-              <a:buNone/>
-              <a:tabLst/>
-              <a:defRPr/>
-            </a:pPr>
-            <a:r>
-              <a:rPr lang="en-GB" b="0" dirty="0">
-                <a:solidFill>
-                  <a:srgbClr val="CE9178"/>
-                </a:solidFill>
-                <a:effectLst/>
-                <a:latin typeface="Consolas" panose="020B0609020204030204" pitchFamily="49" charset="0"/>
-              </a:rPr>
-              <a:t>"https://pedodoctor.com/custom/images/dr-jeffries.jpg“ – Image source</a:t>
-            </a:r>
-            <a:endParaRPr lang="en-GB" b="0" dirty="0">
-              <a:solidFill>
-                <a:srgbClr val="D4D4D4"/>
-              </a:solidFill>
-              <a:effectLst/>
-              <a:latin typeface="Consolas" panose="020B0609020204030204" pitchFamily="49" charset="0"/>
-            </a:endParaRPr>
-          </a:p>
-          <a:p>
-            <a:r>
-              <a:rPr lang="en-GB" dirty="0"/>
-              <a:t> </a:t>
-            </a:r>
           </a:p>
         </p:txBody>
       </p:sp>
@@ -31489,15 +31444,6 @@
 </file>
 
 <file path=customXml/item2.xml><?xml version="1.0" encoding="utf-8"?>
-<?mso-contentType ?>
-<FormTemplates xmlns="http://schemas.microsoft.com/sharepoint/v3/contenttype/forms">
-  <Display>DocumentLibraryForm</Display>
-  <Edit>DocumentLibraryForm</Edit>
-  <New>DocumentLibraryForm</New>
-</FormTemplates>
-</file>
-
-<file path=customXml/item3.xml><?xml version="1.0" encoding="utf-8"?>
 <p:properties xmlns:p="http://schemas.microsoft.com/office/2006/metadata/properties" xmlns:xsi="http://www.w3.org/2001/XMLSchema-instance" xmlns:pc="http://schemas.microsoft.com/office/infopath/2007/PartnerControls">
   <documentManagement>
     <TaxCatchAll xmlns="bd9f7b81-fce9-4f5e-8ca2-b74234fba64d" xsi:nil="true"/>
@@ -31506,6 +31452,15 @@
     </lcf76f155ced4ddcb4097134ff3c332f>
   </documentManagement>
 </p:properties>
+</file>
+
+<file path=customXml/item3.xml><?xml version="1.0" encoding="utf-8"?>
+<?mso-contentType ?>
+<FormTemplates xmlns="http://schemas.microsoft.com/sharepoint/v3/contenttype/forms">
+  <Display>DocumentLibraryForm</Display>
+  <Edit>DocumentLibraryForm</Edit>
+  <New>DocumentLibraryForm</New>
+</FormTemplates>
 </file>
 
 <file path=customXml/itemProps1.xml><?xml version="1.0" encoding="utf-8"?>
@@ -31528,14 +31483,6 @@
 </file>
 
 <file path=customXml/itemProps2.xml><?xml version="1.0" encoding="utf-8"?>
-<ds:datastoreItem xmlns:ds="http://schemas.openxmlformats.org/officeDocument/2006/customXml" ds:itemID="{25B3E867-B45B-49B9-9F16-ACF80FBBDAA6}">
-  <ds:schemaRefs>
-    <ds:schemaRef ds:uri="http://schemas.microsoft.com/sharepoint/v3/contenttype/forms"/>
-  </ds:schemaRefs>
-</ds:datastoreItem>
-</file>
-
-<file path=customXml/itemProps3.xml><?xml version="1.0" encoding="utf-8"?>
 <ds:datastoreItem xmlns:ds="http://schemas.openxmlformats.org/officeDocument/2006/customXml" ds:itemID="{43393610-D53F-4A84-8D42-34EBCB008255}">
   <ds:schemaRefs>
     <ds:schemaRef ds:uri="http://schemas.microsoft.com/office/2006/metadata/properties"/>
@@ -31550,4 +31497,12 @@
     <ds:schemaRef ds:uri="http://purl.org/dc/elements/1.1/"/>
   </ds:schemaRefs>
 </ds:datastoreItem>
+</file>
+
+<file path=customXml/itemProps3.xml><?xml version="1.0" encoding="utf-8"?>
+<ds:datastoreItem xmlns:ds="http://schemas.openxmlformats.org/officeDocument/2006/customXml" ds:itemID="{25B3E867-B45B-49B9-9F16-ACF80FBBDAA6}">
+  <ds:schemaRefs>
+    <ds:schemaRef ds:uri="http://schemas.microsoft.com/sharepoint/v3/contenttype/forms"/>
+  </ds:schemaRefs>
+</ds:datastoreItem>
 </file>